--- a/Hackathon – 15-Sep-2019.pptx
+++ b/Hackathon – 15-Sep-2019.pptx
@@ -8423,48 +8423,6 @@
           </a:p>
         </p:txBody>
       </p:sp>
-      <p:sp>
-        <p:nvSpPr>
-          <p:cNvPr id="3" name="Content Placeholder 2"/>
-          <p:cNvSpPr>
-            <a:spLocks noGrp="1"/>
-          </p:cNvSpPr>
-          <p:nvPr>
-            <p:ph idx="1"/>
-          </p:nvPr>
-        </p:nvSpPr>
-        <p:spPr>
-          <a:xfrm>
-            <a:off x="1674976" y="725770"/>
-            <a:ext cx="10289136" cy="5290470"/>
-          </a:xfrm>
-        </p:spPr>
-        <p:txBody>
-          <a:bodyPr/>
-          <a:lstStyle/>
-          <a:p>
-            <a:pPr marL="0" indent="0">
-              <a:buNone/>
-            </a:pPr>
-            <a:r>
-              <a:rPr lang="en-IN" b="1" dirty="0" smtClean="0">
-                <a:solidFill>
-                  <a:schemeClr val="tx1"/>
-                </a:solidFill>
-              </a:rPr>
-              <a:t>Algorithms</a:t>
-            </a:r>
-            <a:r>
-              <a:rPr lang="en-IN" b="1" dirty="0">
-                <a:solidFill>
-                  <a:schemeClr val="tx1"/>
-                </a:solidFill>
-              </a:rPr>
-              <a:t>: Logistic Regression, KNC, SVC and DTC	</a:t>
-            </a:r>
-          </a:p>
-        </p:txBody>
-      </p:sp>
       <p:graphicFrame>
         <p:nvGraphicFramePr>
           <p:cNvPr id="5" name="Table 4"/>
@@ -8474,14 +8432,14 @@
           <p:nvPr>
             <p:extLst>
               <p:ext uri="{D42A27DB-BD31-4B8C-83A1-F6EECF244321}">
-                <p14:modId xmlns:p14="http://schemas.microsoft.com/office/powerpoint/2010/main" val="1795704339"/>
+                <p14:modId xmlns:p14="http://schemas.microsoft.com/office/powerpoint/2010/main" val="2746135591"/>
               </p:ext>
             </p:extLst>
           </p:nvPr>
         </p:nvGraphicFramePr>
         <p:xfrm>
-          <a:off x="277018" y="1162595"/>
-          <a:ext cx="11687093" cy="4036421"/>
+          <a:off x="368458" y="1698172"/>
+          <a:ext cx="11687093" cy="2913016"/>
         </p:xfrm>
         <a:graphic>
           <a:graphicData uri="http://schemas.openxmlformats.org/drawingml/2006/table">
@@ -8678,7 +8636,7 @@
                   </a:ext>
                 </a:extLst>
               </a:tr>
-              <a:tr h="1743580">
+              <a:tr h="620175">
                 <a:tc>
                   <a:txBody>
                     <a:bodyPr/>
